--- a/docs/surrogate_modeling.pptx
+++ b/docs/surrogate_modeling.pptx
@@ -7611,7 +7611,7 @@
         <p:spPr bwMode="auto">
           <a:xfrm>
             <a:off x="0" y="178778"/>
-            <a:ext cx="9144000" cy="646973"/>
+            <a:ext cx="9144000" cy="708528"/>
           </a:xfrm>
           <a:prstGeom prst="rect">
             <a:avLst/>
@@ -7775,7 +7775,7 @@
               <a:defRPr/>
             </a:pPr>
             <a:r>
-              <a:rPr lang="en-US" altLang="zh-CN" sz="3500" kern="0" dirty="0">
+              <a:rPr lang="en-US" altLang="zh-CN" sz="4000" kern="0" dirty="0">
                 <a:solidFill>
                   <a:schemeClr val="bg1"/>
                 </a:solidFill>
@@ -7786,7 +7786,7 @@
               <a:t>Scientific</a:t>
             </a:r>
             <a:r>
-              <a:rPr lang="zh-CN" altLang="en-US" sz="3500" kern="0" dirty="0">
+              <a:rPr lang="zh-CN" altLang="en-US" sz="4000" kern="0" dirty="0">
                 <a:solidFill>
                   <a:schemeClr val="bg1"/>
                 </a:solidFill>
@@ -7797,7 +7797,7 @@
               <a:t> </a:t>
             </a:r>
             <a:r>
-              <a:rPr lang="en-US" altLang="zh-CN" sz="3500" kern="0" dirty="0">
+              <a:rPr lang="en-US" altLang="zh-CN" sz="4000" kern="0" dirty="0">
                 <a:solidFill>
                   <a:schemeClr val="bg1"/>
                 </a:solidFill>
@@ -9632,7 +9632,7 @@
         <p:spPr bwMode="auto">
           <a:xfrm>
             <a:off x="0" y="178778"/>
-            <a:ext cx="9144000" cy="646973"/>
+            <a:ext cx="9144000" cy="708528"/>
           </a:xfrm>
           <a:prstGeom prst="rect">
             <a:avLst/>
@@ -9796,7 +9796,7 @@
               <a:defRPr/>
             </a:pPr>
             <a:r>
-              <a:rPr lang="en-US" altLang="zh-CN" sz="3500" kern="0" dirty="0">
+              <a:rPr lang="en-US" altLang="zh-CN" sz="4000" kern="0" dirty="0">
                 <a:solidFill>
                   <a:schemeClr val="bg1"/>
                 </a:solidFill>
@@ -9807,7 +9807,7 @@
               <a:t>Surrogate</a:t>
             </a:r>
             <a:r>
-              <a:rPr lang="zh-CN" altLang="en-US" sz="3500" kern="0" dirty="0">
+              <a:rPr lang="zh-CN" altLang="en-US" sz="4000" kern="0" dirty="0">
                 <a:solidFill>
                   <a:schemeClr val="bg1"/>
                 </a:solidFill>
@@ -9818,7 +9818,7 @@
               <a:t> </a:t>
             </a:r>
             <a:r>
-              <a:rPr lang="en-US" altLang="zh-CN" sz="3500" kern="0" dirty="0">
+              <a:rPr lang="en-US" altLang="zh-CN" sz="4000" kern="0" dirty="0">
                 <a:solidFill>
                   <a:schemeClr val="bg1"/>
                 </a:solidFill>
@@ -11099,7 +11099,7 @@
         <p:spPr bwMode="auto">
           <a:xfrm>
             <a:off x="0" y="178778"/>
-            <a:ext cx="9144000" cy="631584"/>
+            <a:ext cx="9144000" cy="708528"/>
           </a:xfrm>
           <a:prstGeom prst="rect">
             <a:avLst/>
@@ -11263,7 +11263,7 @@
               <a:defRPr/>
             </a:pPr>
             <a:r>
-              <a:rPr lang="en-US" altLang="zh-CN" sz="3500" kern="0" dirty="0">
+              <a:rPr lang="en-US" altLang="zh-CN" sz="4000" kern="0" dirty="0">
                 <a:solidFill>
                   <a:schemeClr val="bg1"/>
                 </a:solidFill>
@@ -11274,7 +11274,7 @@
               <a:t>Surrogate</a:t>
             </a:r>
             <a:r>
-              <a:rPr lang="zh-CN" altLang="en-US" sz="3500" kern="0" dirty="0">
+              <a:rPr lang="zh-CN" altLang="en-US" sz="4000" kern="0" dirty="0">
                 <a:solidFill>
                   <a:schemeClr val="bg1"/>
                 </a:solidFill>
@@ -11285,7 +11285,7 @@
               <a:t> </a:t>
             </a:r>
             <a:r>
-              <a:rPr lang="en-US" altLang="zh-CN" sz="3500" kern="0" dirty="0">
+              <a:rPr lang="en-US" altLang="zh-CN" sz="4000" kern="0" dirty="0">
                 <a:solidFill>
                   <a:schemeClr val="bg1"/>
                 </a:solidFill>
@@ -11558,7 +11558,7 @@
                 <a:ea typeface="Kaiti TC" panose="02010600040101010101" pitchFamily="2" charset="-120"/>
                 <a:cs typeface="Calibri" panose="020F0502020204030204" pitchFamily="34" charset="0"/>
               </a:rPr>
-              <a:t>Projection-based</a:t>
+              <a:t>Projection-Based</a:t>
             </a:r>
             <a:r>
               <a:rPr lang="zh-CN" altLang="en-US" sz="2400" kern="0" dirty="0">
@@ -11580,7 +11580,7 @@
                 <a:ea typeface="Kaiti TC" panose="02010600040101010101" pitchFamily="2" charset="-120"/>
                 <a:cs typeface="Calibri" panose="020F0502020204030204" pitchFamily="34" charset="0"/>
               </a:rPr>
-              <a:t>reduced</a:t>
+              <a:t>Reduced</a:t>
             </a:r>
             <a:r>
               <a:rPr lang="zh-CN" altLang="en-US" sz="2400" kern="0" dirty="0">
@@ -11602,7 +11602,7 @@
                 <a:ea typeface="Kaiti TC" panose="02010600040101010101" pitchFamily="2" charset="-120"/>
                 <a:cs typeface="Calibri" panose="020F0502020204030204" pitchFamily="34" charset="0"/>
               </a:rPr>
-              <a:t>order</a:t>
+              <a:t>Order</a:t>
             </a:r>
             <a:r>
               <a:rPr lang="zh-CN" altLang="en-US" sz="2400" kern="0" dirty="0">
@@ -11624,7 +11624,7 @@
                 <a:ea typeface="Kaiti TC" panose="02010600040101010101" pitchFamily="2" charset="-120"/>
                 <a:cs typeface="Calibri" panose="020F0502020204030204" pitchFamily="34" charset="0"/>
               </a:rPr>
-              <a:t>model</a:t>
+              <a:t>Model</a:t>
             </a:r>
             <a:endParaRPr kumimoji="0" lang="en-US" altLang="fr-FR" sz="2400" b="0" i="0" u="none" strike="noStrike" kern="0" cap="none" spc="0" normalizeH="0" baseline="0" noProof="0" dirty="0">
               <a:ln>
@@ -11856,8 +11856,8 @@
           </a:p>
         </p:txBody>
       </p:sp>
-      <mc:AlternateContent xmlns:mc="http://schemas.openxmlformats.org/markup-compatibility/2006">
-        <mc:Choice xmlns:a14="http://schemas.microsoft.com/office/drawing/2010/main" Requires="a14">
+      <mc:AlternateContent xmlns:mc="http://schemas.openxmlformats.org/markup-compatibility/2006" xmlns:a14="http://schemas.microsoft.com/office/drawing/2010/main">
+        <mc:Choice Requires="a14">
           <p:sp>
             <p:nvSpPr>
               <p:cNvPr id="5" name="TextBox 4">
@@ -12498,7 +12498,7 @@
             </p:txBody>
           </p:sp>
         </mc:Choice>
-        <mc:Fallback>
+        <mc:Fallback xmlns="">
           <p:sp>
             <p:nvSpPr>
               <p:cNvPr id="5" name="TextBox 4">
@@ -12543,8 +12543,8 @@
           </p:sp>
         </mc:Fallback>
       </mc:AlternateContent>
-      <mc:AlternateContent xmlns:mc="http://schemas.openxmlformats.org/markup-compatibility/2006">
-        <mc:Choice xmlns:a14="http://schemas.microsoft.com/office/drawing/2010/main" Requires="a14">
+      <mc:AlternateContent xmlns:mc="http://schemas.openxmlformats.org/markup-compatibility/2006" xmlns:a14="http://schemas.microsoft.com/office/drawing/2010/main">
+        <mc:Choice Requires="a14">
           <p:sp>
             <p:nvSpPr>
               <p:cNvPr id="12" name="TextBox 11">
@@ -12585,6 +12585,7 @@
                           <a:solidFill>
                             <a:srgbClr val="0000CC"/>
                           </a:solidFill>
+                          <a:latin typeface="Cambria Math" panose="02040503050406030204" pitchFamily="18" charset="0"/>
                           <a:ea typeface="Cambria Math" panose="02040503050406030204" pitchFamily="18" charset="0"/>
                         </a:rPr>
                         <m:t>𝑟</m:t>
@@ -12596,6 +12597,7 @@
                               <a:solidFill>
                                 <a:srgbClr val="0000CC"/>
                               </a:solidFill>
+                              <a:latin typeface="Cambria Math" panose="02040503050406030204" pitchFamily="18" charset="0"/>
                               <a:ea typeface="Cambria Math" panose="02040503050406030204" pitchFamily="18" charset="0"/>
                             </a:rPr>
                           </m:ctrlPr>
@@ -12606,6 +12608,7 @@
                               <a:solidFill>
                                 <a:srgbClr val="0000CC"/>
                               </a:solidFill>
+                              <a:latin typeface="Cambria Math" panose="02040503050406030204" pitchFamily="18" charset="0"/>
                               <a:ea typeface="Cambria Math" panose="02040503050406030204" pitchFamily="18" charset="0"/>
                             </a:rPr>
                             <m:t>𝑢</m:t>
@@ -12615,6 +12618,7 @@
                               <a:solidFill>
                                 <a:srgbClr val="0000CC"/>
                               </a:solidFill>
+                              <a:latin typeface="Cambria Math" panose="02040503050406030204" pitchFamily="18" charset="0"/>
                               <a:ea typeface="Cambria Math" panose="02040503050406030204" pitchFamily="18" charset="0"/>
                             </a:rPr>
                             <m:t>,</m:t>
@@ -12624,6 +12628,7 @@
                               <a:solidFill>
                                 <a:srgbClr val="0000CC"/>
                               </a:solidFill>
+                              <a:latin typeface="Cambria Math" panose="02040503050406030204" pitchFamily="18" charset="0"/>
                               <a:ea typeface="Cambria Math" panose="02040503050406030204" pitchFamily="18" charset="0"/>
                             </a:rPr>
                             <m:t>𝜇</m:t>
@@ -12635,6 +12640,7 @@
                           <a:solidFill>
                             <a:srgbClr val="0000CC"/>
                           </a:solidFill>
+                          <a:latin typeface="Cambria Math" panose="02040503050406030204" pitchFamily="18" charset="0"/>
                           <a:ea typeface="Cambria Math" panose="02040503050406030204" pitchFamily="18" charset="0"/>
                         </a:rPr>
                         <m:t>=0,</m:t>
@@ -12644,6 +12650,7 @@
                           <a:solidFill>
                             <a:srgbClr val="0000CC"/>
                           </a:solidFill>
+                          <a:latin typeface="Cambria Math" panose="02040503050406030204" pitchFamily="18" charset="0"/>
                           <a:ea typeface="Cambria Math" panose="02040503050406030204" pitchFamily="18" charset="0"/>
                         </a:rPr>
                         <m:t>  </m:t>
@@ -12653,6 +12660,7 @@
                           <a:solidFill>
                             <a:srgbClr val="0000CC"/>
                           </a:solidFill>
+                          <a:latin typeface="Cambria Math" panose="02040503050406030204" pitchFamily="18" charset="0"/>
                           <a:ea typeface="Cambria Math" panose="02040503050406030204" pitchFamily="18" charset="0"/>
                         </a:rPr>
                         <m:t>𝑢</m:t>
@@ -12662,6 +12670,7 @@
                           <a:solidFill>
                             <a:srgbClr val="0000CC"/>
                           </a:solidFill>
+                          <a:latin typeface="Cambria Math" panose="02040503050406030204" pitchFamily="18" charset="0"/>
                           <a:ea typeface="Cambria Math" panose="02040503050406030204" pitchFamily="18" charset="0"/>
                         </a:rPr>
                         <m:t>∈</m:t>
@@ -12673,6 +12682,7 @@
                               <a:solidFill>
                                 <a:srgbClr val="0000CC"/>
                               </a:solidFill>
+                              <a:latin typeface="Cambria Math" panose="02040503050406030204" pitchFamily="18" charset="0"/>
                               <a:ea typeface="Cambria Math" panose="02040503050406030204" pitchFamily="18" charset="0"/>
                             </a:rPr>
                           </m:ctrlPr>
@@ -12683,6 +12693,7 @@
                               <a:solidFill>
                                 <a:srgbClr val="0000CC"/>
                               </a:solidFill>
+                              <a:latin typeface="Cambria Math" panose="02040503050406030204" pitchFamily="18" charset="0"/>
                               <a:ea typeface="Cambria Math" panose="02040503050406030204" pitchFamily="18" charset="0"/>
                             </a:rPr>
                             <m:t>𝑅</m:t>
@@ -12694,6 +12705,7 @@
                               <a:solidFill>
                                 <a:srgbClr val="0000CC"/>
                               </a:solidFill>
+                              <a:latin typeface="Cambria Math" panose="02040503050406030204" pitchFamily="18" charset="0"/>
                               <a:ea typeface="Cambria Math" panose="02040503050406030204" pitchFamily="18" charset="0"/>
                             </a:rPr>
                             <m:t>𝑁</m:t>
@@ -12708,7 +12720,7 @@
             </p:txBody>
           </p:sp>
         </mc:Choice>
-        <mc:Fallback>
+        <mc:Fallback xmlns="">
           <p:sp>
             <p:nvSpPr>
               <p:cNvPr id="12" name="TextBox 11">
@@ -13139,7 +13151,7 @@
         <p:spPr bwMode="auto">
           <a:xfrm>
             <a:off x="0" y="178778"/>
-            <a:ext cx="9144000" cy="646973"/>
+            <a:ext cx="9144000" cy="708528"/>
           </a:xfrm>
           <a:prstGeom prst="rect">
             <a:avLst/>
@@ -13303,7 +13315,7 @@
               <a:defRPr/>
             </a:pPr>
             <a:r>
-              <a:rPr lang="en-US" altLang="zh-CN" sz="3600" kern="0" dirty="0">
+              <a:rPr lang="en-US" altLang="zh-CN" sz="4000" kern="0" dirty="0">
                 <a:solidFill>
                   <a:schemeClr val="bg1"/>
                 </a:solidFill>
@@ -13314,7 +13326,7 @@
               <a:t>Surrogate</a:t>
             </a:r>
             <a:r>
-              <a:rPr lang="zh-CN" altLang="en-US" sz="3600" kern="0" dirty="0">
+              <a:rPr lang="zh-CN" altLang="en-US" sz="4000" kern="0" dirty="0">
                 <a:solidFill>
                   <a:schemeClr val="bg1"/>
                 </a:solidFill>
@@ -13325,7 +13337,7 @@
               <a:t> </a:t>
             </a:r>
             <a:r>
-              <a:rPr lang="en-US" altLang="zh-CN" sz="3600" kern="0" dirty="0">
+              <a:rPr lang="en-US" altLang="zh-CN" sz="4000" kern="0" dirty="0">
                 <a:solidFill>
                   <a:schemeClr val="bg1"/>
                 </a:solidFill>
@@ -14731,7 +14743,7 @@
         <p:spPr bwMode="auto">
           <a:xfrm>
             <a:off x="0" y="178778"/>
-            <a:ext cx="9144000" cy="631584"/>
+            <a:ext cx="9144000" cy="708528"/>
           </a:xfrm>
           <a:prstGeom prst="rect">
             <a:avLst/>
@@ -14895,7 +14907,7 @@
               <a:defRPr/>
             </a:pPr>
             <a:r>
-              <a:rPr lang="en-US" altLang="zh-CN" sz="3500" kern="0" dirty="0">
+              <a:rPr lang="en-US" altLang="zh-CN" sz="4000" kern="0" dirty="0">
                 <a:solidFill>
                   <a:schemeClr val="bg1"/>
                 </a:solidFill>
@@ -14906,7 +14918,7 @@
               <a:t>Surrogate</a:t>
             </a:r>
             <a:r>
-              <a:rPr lang="zh-CN" altLang="en-US" sz="3500" kern="0" dirty="0">
+              <a:rPr lang="zh-CN" altLang="en-US" sz="4000" kern="0" dirty="0">
                 <a:solidFill>
                   <a:schemeClr val="bg1"/>
                 </a:solidFill>
@@ -14917,7 +14929,7 @@
               <a:t> </a:t>
             </a:r>
             <a:r>
-              <a:rPr lang="en-US" altLang="zh-CN" sz="3500" kern="0" dirty="0">
+              <a:rPr lang="en-US" altLang="zh-CN" sz="4000" kern="0" dirty="0">
                 <a:solidFill>
                   <a:schemeClr val="bg1"/>
                 </a:solidFill>
@@ -15820,7 +15832,7 @@
         <p:spPr bwMode="auto">
           <a:xfrm>
             <a:off x="0" y="178778"/>
-            <a:ext cx="9144000" cy="646973"/>
+            <a:ext cx="9144000" cy="708528"/>
           </a:xfrm>
           <a:prstGeom prst="rect">
             <a:avLst/>
@@ -15984,7 +15996,7 @@
               <a:defRPr/>
             </a:pPr>
             <a:r>
-              <a:rPr lang="en-US" altLang="zh-CN" sz="3500" kern="0" dirty="0">
+              <a:rPr lang="en-US" altLang="zh-CN" sz="4000" kern="0" dirty="0">
                 <a:solidFill>
                   <a:schemeClr val="bg1"/>
                 </a:solidFill>
@@ -15995,7 +16007,7 @@
               <a:t>Surrogate</a:t>
             </a:r>
             <a:r>
-              <a:rPr lang="zh-CN" altLang="en-US" sz="3500" kern="0" dirty="0">
+              <a:rPr lang="zh-CN" altLang="en-US" sz="4000" kern="0" dirty="0">
                 <a:solidFill>
                   <a:schemeClr val="bg1"/>
                 </a:solidFill>
@@ -16006,7 +16018,7 @@
               <a:t> </a:t>
             </a:r>
             <a:r>
-              <a:rPr lang="en-US" altLang="zh-CN" sz="3500" kern="0" dirty="0">
+              <a:rPr lang="en-US" altLang="zh-CN" sz="4000" kern="0" dirty="0">
                 <a:solidFill>
                   <a:schemeClr val="bg1"/>
                 </a:solidFill>
@@ -17333,7 +17345,7 @@
         <p:spPr bwMode="auto">
           <a:xfrm>
             <a:off x="0" y="178778"/>
-            <a:ext cx="9144000" cy="631584"/>
+            <a:ext cx="9144000" cy="708528"/>
           </a:xfrm>
           <a:prstGeom prst="rect">
             <a:avLst/>
@@ -17497,7 +17509,7 @@
               <a:defRPr/>
             </a:pPr>
             <a:r>
-              <a:rPr lang="en-US" altLang="zh-CN" sz="3500" kern="0" dirty="0">
+              <a:rPr lang="en-US" altLang="zh-CN" sz="4000" kern="0" dirty="0">
                 <a:solidFill>
                   <a:schemeClr val="bg1"/>
                 </a:solidFill>
@@ -17508,7 +17520,7 @@
               <a:t>Surrogate</a:t>
             </a:r>
             <a:r>
-              <a:rPr lang="zh-CN" altLang="en-US" sz="3500" kern="0" dirty="0">
+              <a:rPr lang="zh-CN" altLang="en-US" sz="4000" kern="0" dirty="0">
                 <a:solidFill>
                   <a:schemeClr val="bg1"/>
                 </a:solidFill>
@@ -17519,7 +17531,7 @@
               <a:t> </a:t>
             </a:r>
             <a:r>
-              <a:rPr lang="en-US" altLang="zh-CN" sz="3500" kern="0" dirty="0">
+              <a:rPr lang="en-US" altLang="zh-CN" sz="4000" kern="0" dirty="0">
                 <a:solidFill>
                   <a:schemeClr val="bg1"/>
                 </a:solidFill>
@@ -18099,8 +18111,8 @@
           </a:p>
         </p:txBody>
       </p:sp>
-      <mc:AlternateContent xmlns:mc="http://schemas.openxmlformats.org/markup-compatibility/2006">
-        <mc:Choice xmlns:a14="http://schemas.microsoft.com/office/drawing/2010/main" Requires="a14">
+      <mc:AlternateContent xmlns:mc="http://schemas.openxmlformats.org/markup-compatibility/2006" xmlns:a14="http://schemas.microsoft.com/office/drawing/2010/main">
+        <mc:Choice Requires="a14">
           <p:sp>
             <p:nvSpPr>
               <p:cNvPr id="5" name="TextBox 4">
@@ -18186,6 +18198,7 @@
                         <a:solidFill>
                           <a:srgbClr val="0000CC"/>
                         </a:solidFill>
+                        <a:latin typeface="Cambria Math" panose="02040503050406030204" pitchFamily="18" charset="0"/>
                         <a:ea typeface="Cambria Math" panose="02040503050406030204" pitchFamily="18" charset="0"/>
                       </a:rPr>
                       <m:t>𝑥</m:t>
@@ -18195,6 +18208,7 @@
                         <a:solidFill>
                           <a:srgbClr val="0000CC"/>
                         </a:solidFill>
+                        <a:latin typeface="Cambria Math" panose="02040503050406030204" pitchFamily="18" charset="0"/>
                       </a:rPr>
                       <m:t>↦</m:t>
                     </m:r>
@@ -18203,6 +18217,7 @@
                         <a:solidFill>
                           <a:srgbClr val="0000CC"/>
                         </a:solidFill>
+                        <a:latin typeface="Cambria Math" panose="02040503050406030204" pitchFamily="18" charset="0"/>
                         <a:ea typeface="Cambria Math" panose="02040503050406030204" pitchFamily="18" charset="0"/>
                       </a:rPr>
                       <m:t>𝐴𝑥</m:t>
@@ -18212,6 +18227,7 @@
                         <a:solidFill>
                           <a:srgbClr val="0000CC"/>
                         </a:solidFill>
+                        <a:latin typeface="Cambria Math" panose="02040503050406030204" pitchFamily="18" charset="0"/>
                         <a:ea typeface="Cambria Math" panose="02040503050406030204" pitchFamily="18" charset="0"/>
                       </a:rPr>
                       <m:t>+</m:t>
@@ -18221,6 +18237,7 @@
                         <a:solidFill>
                           <a:srgbClr val="0000CC"/>
                         </a:solidFill>
+                        <a:latin typeface="Cambria Math" panose="02040503050406030204" pitchFamily="18" charset="0"/>
                         <a:ea typeface="Cambria Math" panose="02040503050406030204" pitchFamily="18" charset="0"/>
                       </a:rPr>
                       <m:t>𝑏</m:t>
@@ -18308,6 +18325,7 @@
                         <a:solidFill>
                           <a:srgbClr val="0000CC"/>
                         </a:solidFill>
+                        <a:latin typeface="Cambria Math" panose="02040503050406030204" pitchFamily="18" charset="0"/>
                         <a:ea typeface="Cambria Math" panose="02040503050406030204" pitchFamily="18" charset="0"/>
                       </a:rPr>
                       <m:t>𝜎</m:t>
@@ -18317,6 +18335,7 @@
                         <a:solidFill>
                           <a:srgbClr val="0000CC"/>
                         </a:solidFill>
+                        <a:latin typeface="Cambria Math" panose="02040503050406030204" pitchFamily="18" charset="0"/>
                         <a:ea typeface="Cambria Math" panose="02040503050406030204" pitchFamily="18" charset="0"/>
                       </a:rPr>
                       <m:t>(</m:t>
@@ -18326,6 +18345,7 @@
                         <a:solidFill>
                           <a:srgbClr val="0000CC"/>
                         </a:solidFill>
+                        <a:latin typeface="Cambria Math" panose="02040503050406030204" pitchFamily="18" charset="0"/>
                         <a:ea typeface="Cambria Math" panose="02040503050406030204" pitchFamily="18" charset="0"/>
                       </a:rPr>
                       <m:t>𝑥</m:t>
@@ -18335,6 +18355,7 @@
                         <a:solidFill>
                           <a:srgbClr val="0000CC"/>
                         </a:solidFill>
+                        <a:latin typeface="Cambria Math" panose="02040503050406030204" pitchFamily="18" charset="0"/>
                         <a:ea typeface="Cambria Math" panose="02040503050406030204" pitchFamily="18" charset="0"/>
                       </a:rPr>
                       <m:t>)</m:t>
@@ -18344,6 +18365,7 @@
                         <a:solidFill>
                           <a:srgbClr val="0000CC"/>
                         </a:solidFill>
+                        <a:latin typeface="Cambria Math" panose="02040503050406030204" pitchFamily="18" charset="0"/>
                       </a:rPr>
                       <m:t>↦</m:t>
                     </m:r>
@@ -18356,6 +18378,7 @@
                             <a:solidFill>
                               <a:srgbClr val="0000CC"/>
                             </a:solidFill>
+                            <a:latin typeface="Cambria Math" panose="02040503050406030204" pitchFamily="18" charset="0"/>
                           </a:rPr>
                         </m:ctrlPr>
                       </m:dPr>
@@ -18367,6 +18390,7 @@
                                 <a:solidFill>
                                   <a:srgbClr val="0000CC"/>
                                 </a:solidFill>
+                                <a:latin typeface="Cambria Math" panose="02040503050406030204" pitchFamily="18" charset="0"/>
                               </a:rPr>
                             </m:ctrlPr>
                           </m:eqArrPr>
@@ -18376,6 +18400,7 @@
                                 <a:solidFill>
                                   <a:srgbClr val="0000CC"/>
                                 </a:solidFill>
+                                <a:latin typeface="Cambria Math" panose="02040503050406030204" pitchFamily="18" charset="0"/>
                               </a:rPr>
                               <m:t>𝑥</m:t>
                             </m:r>
@@ -18384,6 +18409,7 @@
                                 <a:solidFill>
                                   <a:srgbClr val="0000CC"/>
                                 </a:solidFill>
+                                <a:latin typeface="Cambria Math" panose="02040503050406030204" pitchFamily="18" charset="0"/>
                               </a:rPr>
                               <m:t> </m:t>
                             </m:r>
@@ -18392,6 +18418,7 @@
                                 <a:solidFill>
                                   <a:srgbClr val="0000CC"/>
                                 </a:solidFill>
+                                <a:latin typeface="Cambria Math" panose="02040503050406030204" pitchFamily="18" charset="0"/>
                               </a:rPr>
                               <m:t>(</m:t>
                             </m:r>
@@ -18400,6 +18427,7 @@
                                 <a:solidFill>
                                   <a:srgbClr val="0000CC"/>
                                 </a:solidFill>
+                                <a:latin typeface="Cambria Math" panose="02040503050406030204" pitchFamily="18" charset="0"/>
                               </a:rPr>
                               <m:t>𝑥</m:t>
                             </m:r>
@@ -18408,6 +18436,7 @@
                                 <a:solidFill>
                                   <a:srgbClr val="0000CC"/>
                                 </a:solidFill>
+                                <a:latin typeface="Cambria Math" panose="02040503050406030204" pitchFamily="18" charset="0"/>
                               </a:rPr>
                               <m:t>≥0)</m:t>
                             </m:r>
@@ -18418,6 +18447,7 @@
                                 <a:solidFill>
                                   <a:srgbClr val="0000CC"/>
                                 </a:solidFill>
+                                <a:latin typeface="Cambria Math" panose="02040503050406030204" pitchFamily="18" charset="0"/>
                               </a:rPr>
                               <m:t>0</m:t>
                             </m:r>
@@ -18426,6 +18456,7 @@
                                 <a:solidFill>
                                   <a:srgbClr val="0000CC"/>
                                 </a:solidFill>
+                                <a:latin typeface="Cambria Math" panose="02040503050406030204" pitchFamily="18" charset="0"/>
                               </a:rPr>
                               <m:t> </m:t>
                             </m:r>
@@ -18434,6 +18465,7 @@
                                 <a:solidFill>
                                   <a:srgbClr val="0000CC"/>
                                 </a:solidFill>
+                                <a:latin typeface="Cambria Math" panose="02040503050406030204" pitchFamily="18" charset="0"/>
                               </a:rPr>
                               <m:t>(</m:t>
                             </m:r>
@@ -18442,6 +18474,7 @@
                                 <a:solidFill>
                                   <a:srgbClr val="0000CC"/>
                                 </a:solidFill>
+                                <a:latin typeface="Cambria Math" panose="02040503050406030204" pitchFamily="18" charset="0"/>
                               </a:rPr>
                               <m:t>𝑥</m:t>
                             </m:r>
@@ -18450,6 +18483,7 @@
                                 <a:solidFill>
                                   <a:srgbClr val="0000CC"/>
                                 </a:solidFill>
+                                <a:latin typeface="Cambria Math" panose="02040503050406030204" pitchFamily="18" charset="0"/>
                               </a:rPr>
                               <m:t>&lt;0)</m:t>
                             </m:r>
@@ -18492,7 +18526,7 @@
             </p:txBody>
           </p:sp>
         </mc:Choice>
-        <mc:Fallback>
+        <mc:Fallback xmlns="">
           <p:sp>
             <p:nvSpPr>
               <p:cNvPr id="5" name="TextBox 4">
@@ -19711,92 +19745,6 @@
   <p:clrMapOvr>
     <a:masterClrMapping/>
   </p:clrMapOvr>
-  <p:timing>
-    <p:tnLst>
-      <p:par>
-        <p:cTn id="1" dur="indefinite" restart="never" nodeType="tmRoot">
-          <p:childTnLst>
-            <p:seq concurrent="1" nextAc="seek">
-              <p:cTn id="2" dur="indefinite" nodeType="mainSeq">
-                <p:childTnLst>
-                  <p:par>
-                    <p:cTn id="3" fill="hold">
-                      <p:stCondLst>
-                        <p:cond delay="indefinite"/>
-                        <p:cond evt="onBegin" delay="0">
-                          <p:tn val="2"/>
-                        </p:cond>
-                      </p:stCondLst>
-                      <p:childTnLst>
-                        <p:par>
-                          <p:cTn id="4" fill="hold">
-                            <p:stCondLst>
-                              <p:cond delay="0"/>
-                            </p:stCondLst>
-                            <p:childTnLst>
-                              <p:par>
-                                <p:cTn id="5" presetID="9" presetClass="entr" presetSubtype="0" fill="hold" nodeType="afterEffect">
-                                  <p:stCondLst>
-                                    <p:cond delay="11000"/>
-                                  </p:stCondLst>
-                                  <p:childTnLst>
-                                    <p:set>
-                                      <p:cBhvr>
-                                        <p:cTn id="6" dur="1" fill="hold">
-                                          <p:stCondLst>
-                                            <p:cond delay="0"/>
-                                          </p:stCondLst>
-                                        </p:cTn>
-                                        <p:tgtEl>
-                                          <p:spTgt spid="10"/>
-                                        </p:tgtEl>
-                                        <p:attrNameLst>
-                                          <p:attrName>style.visibility</p:attrName>
-                                        </p:attrNameLst>
-                                      </p:cBhvr>
-                                      <p:to>
-                                        <p:strVal val="visible"/>
-                                      </p:to>
-                                    </p:set>
-                                    <p:animEffect transition="in" filter="dissolve">
-                                      <p:cBhvr>
-                                        <p:cTn id="7" dur="500"/>
-                                        <p:tgtEl>
-                                          <p:spTgt spid="10"/>
-                                        </p:tgtEl>
-                                      </p:cBhvr>
-                                    </p:animEffect>
-                                  </p:childTnLst>
-                                </p:cTn>
-                              </p:par>
-                            </p:childTnLst>
-                          </p:cTn>
-                        </p:par>
-                      </p:childTnLst>
-                    </p:cTn>
-                  </p:par>
-                </p:childTnLst>
-              </p:cTn>
-              <p:prevCondLst>
-                <p:cond evt="onPrev" delay="0">
-                  <p:tgtEl>
-                    <p:sldTgt/>
-                  </p:tgtEl>
-                </p:cond>
-              </p:prevCondLst>
-              <p:nextCondLst>
-                <p:cond evt="onNext" delay="0">
-                  <p:tgtEl>
-                    <p:sldTgt/>
-                  </p:tgtEl>
-                </p:cond>
-              </p:nextCondLst>
-            </p:seq>
-          </p:childTnLst>
-        </p:cTn>
-      </p:par>
-    </p:tnLst>
-  </p:timing>
 </p:sld>
 </file>
 
@@ -20095,7 +20043,7 @@
         <p:spPr bwMode="auto">
           <a:xfrm>
             <a:off x="0" y="178778"/>
-            <a:ext cx="9144000" cy="631584"/>
+            <a:ext cx="9144000" cy="708528"/>
           </a:xfrm>
           <a:prstGeom prst="rect">
             <a:avLst/>
@@ -20259,7 +20207,7 @@
               <a:defRPr/>
             </a:pPr>
             <a:r>
-              <a:rPr lang="en-US" altLang="zh-CN" sz="3500" kern="0" dirty="0">
+              <a:rPr lang="en-US" altLang="zh-CN" sz="4000" kern="0" dirty="0">
                 <a:solidFill>
                   <a:schemeClr val="bg1"/>
                 </a:solidFill>
@@ -20270,7 +20218,7 @@
               <a:t>Surrogate</a:t>
             </a:r>
             <a:r>
-              <a:rPr lang="zh-CN" altLang="en-US" sz="3500" kern="0" dirty="0">
+              <a:rPr lang="zh-CN" altLang="en-US" sz="4000" kern="0" dirty="0">
                 <a:solidFill>
                   <a:schemeClr val="bg1"/>
                 </a:solidFill>
@@ -20281,7 +20229,7 @@
               <a:t> </a:t>
             </a:r>
             <a:r>
-              <a:rPr lang="en-US" altLang="zh-CN" sz="3500" kern="0" dirty="0">
+              <a:rPr lang="en-US" altLang="zh-CN" sz="4000" kern="0" dirty="0">
                 <a:solidFill>
                   <a:schemeClr val="bg1"/>
                 </a:solidFill>
